--- a/labs/lab03/presentation/presentation.pptx
+++ b/labs/lab03/presentation/presentation.pptx
@@ -16,6 +16,8 @@
     <p:sldId id="264" r:id="rId10"/>
     <p:sldId id="265" r:id="rId11"/>
     <p:sldId id="266" r:id="rId12"/>
+    <p:sldId id="267" r:id="rId13"/>
+    <p:sldId id="268" r:id="rId14"/>
   </p:sldIdLst>
   <p:sldSz cx="9144000" cy="6858000" type="screen4x3"/>
   <p:notesSz cx="6858000" cy="9144000"/>
@@ -3294,70 +3296,62 @@
           <a:chExt cx="0" cy="0"/>
         </a:xfrm>
       </p:grpSpPr>
-      <p:sp>
-        <p:nvSpPr>
-          <p:cNvPr id="2" name="Title 1"/>
-          <p:cNvSpPr>
-            <a:spLocks noGrp="1"/>
-          </p:cNvSpPr>
-          <p:nvPr>
-            <p:ph type="title"/>
-          </p:nvPr>
-        </p:nvSpPr>
-        <p:spPr/>
-        <p:txBody>
-          <a:bodyPr/>
-          <a:lstStyle/>
-          <a:p>
-            <a:pPr lvl="0" marL="0" indent="0">
+      <p:pic>
+        <p:nvPicPr>
+          <p:cNvPr descr="image/3.png" id="0" name="Picture 1"/>
+          <p:cNvPicPr>
+            <a:picLocks noGrp="1" noChangeAspect="1"/>
+          </p:cNvPicPr>
+          <p:nvPr/>
+        </p:nvPicPr>
+        <p:blipFill>
+          <a:blip r:embed="rId2"/>
+          <a:stretch>
+            <a:fillRect/>
+          </a:stretch>
+        </p:blipFill>
+        <p:spPr bwMode="auto">
+          <a:xfrm>
+            <a:off x="457200" y="1612900"/>
+            <a:ext cx="8229600" cy="4000500"/>
+          </a:xfrm>
+          <a:prstGeom prst="rect">
+            <a:avLst/>
+          </a:prstGeom>
+          <a:noFill/>
+          <a:ln w="9525">
+            <a:noFill/>
+            <a:headEnd/>
+            <a:tailEnd/>
+          </a:ln>
+        </p:spPr>
+      </p:pic>
+      <p:sp>
+        <p:nvSpPr>
+          <p:cNvPr id="1" name="TextBox 3"/>
+          <p:cNvSpPr txBox="1"/>
+          <p:nvPr/>
+        </p:nvSpPr>
+        <p:spPr>
+          <a:xfrm>
+            <a:off x="457200" y="5613400"/>
+            <a:ext cx="8229600" cy="508000"/>
+          </a:xfrm>
+          <a:prstGeom prst="rect">
+            <a:avLst/>
+          </a:prstGeom>
+          <a:noFill/>
+        </p:spPr>
+        <p:txBody>
+          <a:bodyPr/>
+          <a:lstStyle/>
+          <a:p>
+            <a:pPr lvl="0" marL="0" indent="0" algn="ctr">
               <a:buNone/>
             </a:pPr>
             <a:r>
               <a:rPr/>
-              <a:t>Выводы</a:t>
-            </a:r>
-          </a:p>
-        </p:txBody>
-      </p:sp>
-      <p:sp>
-        <p:nvSpPr>
-          <p:cNvPr id="3" name="Content Placeholder 2"/>
-          <p:cNvSpPr>
-            <a:spLocks noGrp="1"/>
-          </p:cNvSpPr>
-          <p:nvPr>
-            <p:ph idx="1"/>
-          </p:nvPr>
-        </p:nvSpPr>
-        <p:spPr/>
-        <p:txBody>
-          <a:bodyPr/>
-          <a:lstStyle/>
-          <a:p>
-            <a:pPr lvl="1">
-              <a:buAutoNum type="arabicParenR"/>
-            </a:pPr>
-            <a:r>
-              <a:rPr/>
-              <a:t>научилась работать с Markdown;</a:t>
-            </a:r>
-          </a:p>
-          <a:p>
-            <a:pPr lvl="1">
-              <a:buAutoNum type="arabicParenR"/>
-            </a:pPr>
-            <a:r>
-              <a:rPr/>
-              <a:t>научилась создавать pdf и docx файлы из файла Markdown (с помощью команды pandoke);</a:t>
-            </a:r>
-          </a:p>
-          <a:p>
-            <a:pPr lvl="1">
-              <a:buAutoNum type="arabicParenR"/>
-            </a:pPr>
-            <a:r>
-              <a:rPr/>
-              <a:t>сделала отчёт по предыдущей лабораторной работе в формате Markdown;</a:t>
+              <a:t>docx</a:t>
             </a:r>
           </a:p>
         </p:txBody>
@@ -3368,6 +3362,178 @@
 </file>
 
 <file path=ppt/slides/slide11.xml><?xml version="1.0" encoding="utf-8"?>
+<p:sld xmlns:a="http://schemas.openxmlformats.org/drawingml/2006/main" xmlns:r="http://schemas.openxmlformats.org/officeDocument/2006/relationships" xmlns:p="http://schemas.openxmlformats.org/presentationml/2006/main">
+  <p:cSld>
+    <p:spTree>
+      <p:nvGrpSpPr>
+        <p:cNvPr id="1" name=""/>
+        <p:cNvGrpSpPr/>
+        <p:nvPr/>
+      </p:nvGrpSpPr>
+      <p:grpSpPr>
+        <a:xfrm>
+          <a:off x="0" y="0"/>
+          <a:ext cx="0" cy="0"/>
+          <a:chOff x="0" y="0"/>
+          <a:chExt cx="0" cy="0"/>
+        </a:xfrm>
+      </p:grpSpPr>
+      <p:pic>
+        <p:nvPicPr>
+          <p:cNvPr descr="image/4.png" id="0" name="Picture 1"/>
+          <p:cNvPicPr>
+            <a:picLocks noGrp="1" noChangeAspect="1"/>
+          </p:cNvPicPr>
+          <p:nvPr/>
+        </p:nvPicPr>
+        <p:blipFill>
+          <a:blip r:embed="rId2"/>
+          <a:stretch>
+            <a:fillRect/>
+          </a:stretch>
+        </p:blipFill>
+        <p:spPr bwMode="auto">
+          <a:xfrm>
+            <a:off x="457200" y="1612900"/>
+            <a:ext cx="8229600" cy="4000500"/>
+          </a:xfrm>
+          <a:prstGeom prst="rect">
+            <a:avLst/>
+          </a:prstGeom>
+          <a:noFill/>
+          <a:ln w="9525">
+            <a:noFill/>
+            <a:headEnd/>
+            <a:tailEnd/>
+          </a:ln>
+        </p:spPr>
+      </p:pic>
+      <p:sp>
+        <p:nvSpPr>
+          <p:cNvPr id="1" name="TextBox 3"/>
+          <p:cNvSpPr txBox="1"/>
+          <p:nvPr/>
+        </p:nvSpPr>
+        <p:spPr>
+          <a:xfrm>
+            <a:off x="457200" y="5613400"/>
+            <a:ext cx="8229600" cy="508000"/>
+          </a:xfrm>
+          <a:prstGeom prst="rect">
+            <a:avLst/>
+          </a:prstGeom>
+          <a:noFill/>
+        </p:spPr>
+        <p:txBody>
+          <a:bodyPr/>
+          <a:lstStyle/>
+          <a:p>
+            <a:pPr lvl="0" marL="0" indent="0" algn="ctr">
+              <a:buNone/>
+            </a:pPr>
+            <a:r>
+              <a:rPr/>
+              <a:t>pdf</a:t>
+            </a:r>
+          </a:p>
+        </p:txBody>
+      </p:sp>
+    </p:spTree>
+  </p:cSld>
+</p:sld>
+</file>
+
+<file path=ppt/slides/slide12.xml><?xml version="1.0" encoding="utf-8"?>
+<p:sld xmlns:a="http://schemas.openxmlformats.org/drawingml/2006/main" xmlns:r="http://schemas.openxmlformats.org/officeDocument/2006/relationships" xmlns:p="http://schemas.openxmlformats.org/presentationml/2006/main">
+  <p:cSld>
+    <p:spTree>
+      <p:nvGrpSpPr>
+        <p:cNvPr id="1" name=""/>
+        <p:cNvGrpSpPr/>
+        <p:nvPr/>
+      </p:nvGrpSpPr>
+      <p:grpSpPr>
+        <a:xfrm>
+          <a:off x="0" y="0"/>
+          <a:ext cx="0" cy="0"/>
+          <a:chOff x="0" y="0"/>
+          <a:chExt cx="0" cy="0"/>
+        </a:xfrm>
+      </p:grpSpPr>
+      <p:sp>
+        <p:nvSpPr>
+          <p:cNvPr id="2" name="Title 1"/>
+          <p:cNvSpPr>
+            <a:spLocks noGrp="1"/>
+          </p:cNvSpPr>
+          <p:nvPr>
+            <p:ph type="title"/>
+          </p:nvPr>
+        </p:nvSpPr>
+        <p:spPr/>
+        <p:txBody>
+          <a:bodyPr/>
+          <a:lstStyle/>
+          <a:p>
+            <a:pPr lvl="0" marL="0" indent="0">
+              <a:buNone/>
+            </a:pPr>
+            <a:r>
+              <a:rPr/>
+              <a:t>Выводы</a:t>
+            </a:r>
+          </a:p>
+        </p:txBody>
+      </p:sp>
+      <p:sp>
+        <p:nvSpPr>
+          <p:cNvPr id="3" name="Content Placeholder 2"/>
+          <p:cNvSpPr>
+            <a:spLocks noGrp="1"/>
+          </p:cNvSpPr>
+          <p:nvPr>
+            <p:ph idx="1"/>
+          </p:nvPr>
+        </p:nvSpPr>
+        <p:spPr/>
+        <p:txBody>
+          <a:bodyPr/>
+          <a:lstStyle/>
+          <a:p>
+            <a:pPr lvl="1">
+              <a:buAutoNum type="arabicParenR"/>
+            </a:pPr>
+            <a:r>
+              <a:rPr/>
+              <a:t>научилась работать с Markdown;</a:t>
+            </a:r>
+          </a:p>
+          <a:p>
+            <a:pPr lvl="1">
+              <a:buAutoNum type="arabicParenR"/>
+            </a:pPr>
+            <a:r>
+              <a:rPr/>
+              <a:t>научилась создавать pdf и docx файлы из файла Markdown (с помощью команды pandoke);</a:t>
+            </a:r>
+          </a:p>
+          <a:p>
+            <a:pPr lvl="1">
+              <a:buAutoNum type="arabicParenR"/>
+            </a:pPr>
+            <a:r>
+              <a:rPr/>
+              <a:t>сделала отчёт по предыдущей лабораторной работе в формате Markdown;</a:t>
+            </a:r>
+          </a:p>
+        </p:txBody>
+      </p:sp>
+    </p:spTree>
+  </p:cSld>
+</p:sld>
+</file>
+
+<file path=ppt/slides/slide13.xml><?xml version="1.0" encoding="utf-8"?>
 <p:sld xmlns:a="http://schemas.openxmlformats.org/drawingml/2006/main" xmlns:r="http://schemas.openxmlformats.org/officeDocument/2006/relationships" xmlns:p="http://schemas.openxmlformats.org/presentationml/2006/main">
   <p:cSld>
     <p:spTree>
@@ -4202,7 +4368,7 @@
             </a:pPr>
             <a:r>
               <a:rPr/>
-              <a:t>С помощью команды pandoke мы можем дополнительно создать два файла в формате pdf и docx. На слеющий скриншотах представлены отчеты лабораторной работы №2 в разных форматах. docx pdf</a:t>
+              <a:t>С помощью команды pandoke мы можем дополнительно создать два файла в формате pdf и docx. На слеющий скриншотах представлены отчеты лабораторной работы №2 в разных форматах.</a:t>
             </a:r>
           </a:p>
         </p:txBody>
